--- a/doc/D2_presentation.pptx
+++ b/doc/D2_presentation.pptx
@@ -6374,7 +6374,7 @@
             </a:r>
             <a:r>
               <a:rPr lang="en-US" sz="2400" i="0" dirty="0"/>
-              <a:t> word vectors trained on common crawl</a:t>
+              <a:t> word vectors trained on Common Crawl</a:t>
             </a:r>
           </a:p>
           <a:p>
@@ -7467,7 +7467,7 @@
           <a:p>
             <a:r>
               <a:rPr lang="en-US" sz="2800" dirty="0"/>
-              <a:t>Remove excess Verbiage</a:t>
+              <a:t>Remove excess verbiage</a:t>
             </a:r>
           </a:p>
           <a:p>

--- a/doc/D2_presentation.pptx
+++ b/doc/D2_presentation.pptx
@@ -219,7 +219,7 @@
           <a:p>
             <a:fld id="{9A0D9DA0-D7DA-4183-84DC-AA8105A910F4}" type="datetimeFigureOut">
               <a:rPr lang="en-US" smtClean="0"/>
-              <a:t>4/28/2020</a:t>
+              <a:t>4/29/2020</a:t>
             </a:fld>
             <a:endParaRPr lang="en-US"/>
           </a:p>
@@ -939,7 +939,7 @@
             <a:fld id="{B61BEF0D-F0BB-DE4B-95CE-6DB70DBA9567}" type="datetimeFigureOut">
               <a:rPr lang="en-US" smtClean="0"/>
               <a:pPr/>
-              <a:t>4/28/2020</a:t>
+              <a:t>4/29/2020</a:t>
             </a:fld>
             <a:endParaRPr lang="en-US" dirty="0"/>
           </a:p>
@@ -1271,7 +1271,7 @@
             <a:fld id="{B61BEF0D-F0BB-DE4B-95CE-6DB70DBA9567}" type="datetimeFigureOut">
               <a:rPr lang="en-US" smtClean="0"/>
               <a:pPr/>
-              <a:t>4/28/2020</a:t>
+              <a:t>4/29/2020</a:t>
             </a:fld>
             <a:endParaRPr lang="en-US" dirty="0"/>
           </a:p>
@@ -1453,7 +1453,7 @@
             <a:fld id="{B61BEF0D-F0BB-DE4B-95CE-6DB70DBA9567}" type="datetimeFigureOut">
               <a:rPr lang="en-US" smtClean="0"/>
               <a:pPr/>
-              <a:t>4/28/2020</a:t>
+              <a:t>4/29/2020</a:t>
             </a:fld>
             <a:endParaRPr lang="en-US" dirty="0"/>
           </a:p>
@@ -1625,7 +1625,7 @@
             <a:fld id="{B61BEF0D-F0BB-DE4B-95CE-6DB70DBA9567}" type="datetimeFigureOut">
               <a:rPr lang="en-US" smtClean="0"/>
               <a:pPr/>
-              <a:t>4/28/2020</a:t>
+              <a:t>4/29/2020</a:t>
             </a:fld>
             <a:endParaRPr lang="en-US" dirty="0"/>
           </a:p>
@@ -1904,7 +1904,7 @@
             <a:fld id="{B61BEF0D-F0BB-DE4B-95CE-6DB70DBA9567}" type="datetimeFigureOut">
               <a:rPr lang="en-US" smtClean="0"/>
               <a:pPr/>
-              <a:t>4/28/2020</a:t>
+              <a:t>4/29/2020</a:t>
             </a:fld>
             <a:endParaRPr lang="en-US" dirty="0"/>
           </a:p>
@@ -2300,7 +2300,7 @@
             <a:fld id="{B61BEF0D-F0BB-DE4B-95CE-6DB70DBA9567}" type="datetimeFigureOut">
               <a:rPr lang="en-US" smtClean="0"/>
               <a:pPr/>
-              <a:t>4/28/2020</a:t>
+              <a:t>4/29/2020</a:t>
             </a:fld>
             <a:endParaRPr lang="en-US" dirty="0"/>
           </a:p>
@@ -2779,7 +2779,7 @@
             <a:fld id="{B61BEF0D-F0BB-DE4B-95CE-6DB70DBA9567}" type="datetimeFigureOut">
               <a:rPr lang="en-US" smtClean="0"/>
               <a:pPr/>
-              <a:t>4/28/2020</a:t>
+              <a:t>4/29/2020</a:t>
             </a:fld>
             <a:endParaRPr lang="en-US" dirty="0"/>
           </a:p>
@@ -2899,7 +2899,7 @@
             <a:fld id="{B61BEF0D-F0BB-DE4B-95CE-6DB70DBA9567}" type="datetimeFigureOut">
               <a:rPr lang="en-US" smtClean="0"/>
               <a:pPr/>
-              <a:t>4/28/2020</a:t>
+              <a:t>4/29/2020</a:t>
             </a:fld>
             <a:endParaRPr lang="en-US" dirty="0"/>
           </a:p>
@@ -2996,7 +2996,7 @@
             <a:fld id="{B61BEF0D-F0BB-DE4B-95CE-6DB70DBA9567}" type="datetimeFigureOut">
               <a:rPr lang="en-US" smtClean="0"/>
               <a:pPr/>
-              <a:t>4/28/2020</a:t>
+              <a:t>4/29/2020</a:t>
             </a:fld>
             <a:endParaRPr lang="en-US" dirty="0"/>
           </a:p>
@@ -3344,7 +3344,7 @@
             <a:fld id="{B61BEF0D-F0BB-DE4B-95CE-6DB70DBA9567}" type="datetimeFigureOut">
               <a:rPr lang="en-US" smtClean="0"/>
               <a:pPr/>
-              <a:t>4/28/2020</a:t>
+              <a:t>4/29/2020</a:t>
             </a:fld>
             <a:endParaRPr lang="en-US" dirty="0"/>
           </a:p>
@@ -3734,7 +3734,7 @@
             <a:fld id="{B61BEF0D-F0BB-DE4B-95CE-6DB70DBA9567}" type="datetimeFigureOut">
               <a:rPr lang="en-US" smtClean="0"/>
               <a:pPr/>
-              <a:t>4/28/2020</a:t>
+              <a:t>4/29/2020</a:t>
             </a:fld>
             <a:endParaRPr lang="en-US" dirty="0"/>
           </a:p>
@@ -4014,7 +4014,7 @@
             <a:fld id="{B61BEF0D-F0BB-DE4B-95CE-6DB70DBA9567}" type="datetimeFigureOut">
               <a:rPr lang="en-US" smtClean="0"/>
               <a:pPr/>
-              <a:t>4/28/2020</a:t>
+              <a:t>4/29/2020</a:t>
             </a:fld>
             <a:endParaRPr lang="en-US" dirty="0"/>
           </a:p>
@@ -8837,7 +8837,7 @@
             <a:pPr lvl="1"/>
             <a:r>
               <a:rPr lang="en-US" sz="2400" i="0" dirty="0"/>
-              <a:t>“Columbine!”</a:t>
+              <a:t>“Grizzly bear”</a:t>
             </a:r>
           </a:p>
           <a:p>

--- a/doc/D2_presentation.pptx
+++ b/doc/D2_presentation.pptx
@@ -219,7 +219,7 @@
           <a:p>
             <a:fld id="{9A0D9DA0-D7DA-4183-84DC-AA8105A910F4}" type="datetimeFigureOut">
               <a:rPr lang="en-US" smtClean="0"/>
-              <a:t>4/29/2020</a:t>
+              <a:t>4/30/2020</a:t>
             </a:fld>
             <a:endParaRPr lang="en-US"/>
           </a:p>
@@ -769,6 +769,96 @@
 </p:notes>
 </file>
 
+<file path=ppt/notesSlides/notesSlide4.xml><?xml version="1.0" encoding="utf-8"?>
+<p:notes xmlns:a="http://schemas.openxmlformats.org/drawingml/2006/main" xmlns:r="http://schemas.openxmlformats.org/officeDocument/2006/relationships" xmlns:p="http://schemas.openxmlformats.org/presentationml/2006/main">
+  <p:cSld>
+    <p:spTree>
+      <p:nvGrpSpPr>
+        <p:cNvPr id="1" name=""/>
+        <p:cNvGrpSpPr/>
+        <p:nvPr/>
+      </p:nvGrpSpPr>
+      <p:grpSpPr>
+        <a:xfrm>
+          <a:off x="0" y="0"/>
+          <a:ext cx="0" cy="0"/>
+          <a:chOff x="0" y="0"/>
+          <a:chExt cx="0" cy="0"/>
+        </a:xfrm>
+      </p:grpSpPr>
+      <p:sp>
+        <p:nvSpPr>
+          <p:cNvPr id="2" name="Slide Image Placeholder 1"/>
+          <p:cNvSpPr>
+            <a:spLocks noGrp="1" noRot="1" noChangeAspect="1"/>
+          </p:cNvSpPr>
+          <p:nvPr>
+            <p:ph type="sldImg"/>
+          </p:nvPr>
+        </p:nvSpPr>
+        <p:spPr/>
+      </p:sp>
+      <p:sp>
+        <p:nvSpPr>
+          <p:cNvPr id="3" name="Notes Placeholder 2"/>
+          <p:cNvSpPr>
+            <a:spLocks noGrp="1"/>
+          </p:cNvSpPr>
+          <p:nvPr>
+            <p:ph type="body" idx="1"/>
+          </p:nvPr>
+        </p:nvSpPr>
+        <p:spPr/>
+        <p:txBody>
+          <a:bodyPr/>
+          <a:lstStyle/>
+          <a:p>
+            <a:r>
+              <a:rPr lang="en-US" dirty="0"/>
+              <a:t>Include</a:t>
+            </a:r>
+          </a:p>
+          <a:p>
+            <a:endParaRPr lang="en-US" dirty="0"/>
+          </a:p>
+        </p:txBody>
+      </p:sp>
+      <p:sp>
+        <p:nvSpPr>
+          <p:cNvPr id="4" name="Slide Number Placeholder 3"/>
+          <p:cNvSpPr>
+            <a:spLocks noGrp="1"/>
+          </p:cNvSpPr>
+          <p:nvPr>
+            <p:ph type="sldNum" sz="quarter" idx="5"/>
+          </p:nvPr>
+        </p:nvSpPr>
+        <p:spPr/>
+        <p:txBody>
+          <a:bodyPr/>
+          <a:lstStyle/>
+          <a:p>
+            <a:fld id="{A2CC582E-73C2-49E4-831A-F39A76F8650E}" type="slidenum">
+              <a:rPr lang="en-US" smtClean="0"/>
+              <a:t>15</a:t>
+            </a:fld>
+            <a:endParaRPr lang="en-US"/>
+          </a:p>
+        </p:txBody>
+      </p:sp>
+    </p:spTree>
+    <p:extLst>
+      <p:ext uri="{BB962C8B-B14F-4D97-AF65-F5344CB8AC3E}">
+        <p14:creationId xmlns:p14="http://schemas.microsoft.com/office/powerpoint/2010/main" val="2918528632"/>
+      </p:ext>
+    </p:extLst>
+  </p:cSld>
+  <p:clrMapOvr>
+    <a:masterClrMapping/>
+  </p:clrMapOvr>
+</p:notes>
+</file>
+
 <file path=ppt/slideLayouts/slideLayout1.xml><?xml version="1.0" encoding="utf-8"?>
 <p:sldLayout xmlns:a="http://schemas.openxmlformats.org/drawingml/2006/main" xmlns:r="http://schemas.openxmlformats.org/officeDocument/2006/relationships" xmlns:p="http://schemas.openxmlformats.org/presentationml/2006/main" showMasterSp="0" type="title" preserve="1">
   <p:cSld name="Title Slide">
@@ -939,7 +1029,7 @@
             <a:fld id="{B61BEF0D-F0BB-DE4B-95CE-6DB70DBA9567}" type="datetimeFigureOut">
               <a:rPr lang="en-US" smtClean="0"/>
               <a:pPr/>
-              <a:t>4/29/2020</a:t>
+              <a:t>4/30/2020</a:t>
             </a:fld>
             <a:endParaRPr lang="en-US" dirty="0"/>
           </a:p>
@@ -1271,7 +1361,7 @@
             <a:fld id="{B61BEF0D-F0BB-DE4B-95CE-6DB70DBA9567}" type="datetimeFigureOut">
               <a:rPr lang="en-US" smtClean="0"/>
               <a:pPr/>
-              <a:t>4/29/2020</a:t>
+              <a:t>4/30/2020</a:t>
             </a:fld>
             <a:endParaRPr lang="en-US" dirty="0"/>
           </a:p>
@@ -1453,7 +1543,7 @@
             <a:fld id="{B61BEF0D-F0BB-DE4B-95CE-6DB70DBA9567}" type="datetimeFigureOut">
               <a:rPr lang="en-US" smtClean="0"/>
               <a:pPr/>
-              <a:t>4/29/2020</a:t>
+              <a:t>4/30/2020</a:t>
             </a:fld>
             <a:endParaRPr lang="en-US" dirty="0"/>
           </a:p>
@@ -1625,7 +1715,7 @@
             <a:fld id="{B61BEF0D-F0BB-DE4B-95CE-6DB70DBA9567}" type="datetimeFigureOut">
               <a:rPr lang="en-US" smtClean="0"/>
               <a:pPr/>
-              <a:t>4/29/2020</a:t>
+              <a:t>4/30/2020</a:t>
             </a:fld>
             <a:endParaRPr lang="en-US" dirty="0"/>
           </a:p>
@@ -1904,7 +1994,7 @@
             <a:fld id="{B61BEF0D-F0BB-DE4B-95CE-6DB70DBA9567}" type="datetimeFigureOut">
               <a:rPr lang="en-US" smtClean="0"/>
               <a:pPr/>
-              <a:t>4/29/2020</a:t>
+              <a:t>4/30/2020</a:t>
             </a:fld>
             <a:endParaRPr lang="en-US" dirty="0"/>
           </a:p>
@@ -2300,7 +2390,7 @@
             <a:fld id="{B61BEF0D-F0BB-DE4B-95CE-6DB70DBA9567}" type="datetimeFigureOut">
               <a:rPr lang="en-US" smtClean="0"/>
               <a:pPr/>
-              <a:t>4/29/2020</a:t>
+              <a:t>4/30/2020</a:t>
             </a:fld>
             <a:endParaRPr lang="en-US" dirty="0"/>
           </a:p>
@@ -2779,7 +2869,7 @@
             <a:fld id="{B61BEF0D-F0BB-DE4B-95CE-6DB70DBA9567}" type="datetimeFigureOut">
               <a:rPr lang="en-US" smtClean="0"/>
               <a:pPr/>
-              <a:t>4/29/2020</a:t>
+              <a:t>4/30/2020</a:t>
             </a:fld>
             <a:endParaRPr lang="en-US" dirty="0"/>
           </a:p>
@@ -2899,7 +2989,7 @@
             <a:fld id="{B61BEF0D-F0BB-DE4B-95CE-6DB70DBA9567}" type="datetimeFigureOut">
               <a:rPr lang="en-US" smtClean="0"/>
               <a:pPr/>
-              <a:t>4/29/2020</a:t>
+              <a:t>4/30/2020</a:t>
             </a:fld>
             <a:endParaRPr lang="en-US" dirty="0"/>
           </a:p>
@@ -2996,7 +3086,7 @@
             <a:fld id="{B61BEF0D-F0BB-DE4B-95CE-6DB70DBA9567}" type="datetimeFigureOut">
               <a:rPr lang="en-US" smtClean="0"/>
               <a:pPr/>
-              <a:t>4/29/2020</a:t>
+              <a:t>4/30/2020</a:t>
             </a:fld>
             <a:endParaRPr lang="en-US" dirty="0"/>
           </a:p>
@@ -3344,7 +3434,7 @@
             <a:fld id="{B61BEF0D-F0BB-DE4B-95CE-6DB70DBA9567}" type="datetimeFigureOut">
               <a:rPr lang="en-US" smtClean="0"/>
               <a:pPr/>
-              <a:t>4/29/2020</a:t>
+              <a:t>4/30/2020</a:t>
             </a:fld>
             <a:endParaRPr lang="en-US" dirty="0"/>
           </a:p>
@@ -3734,7 +3824,7 @@
             <a:fld id="{B61BEF0D-F0BB-DE4B-95CE-6DB70DBA9567}" type="datetimeFigureOut">
               <a:rPr lang="en-US" smtClean="0"/>
               <a:pPr/>
-              <a:t>4/29/2020</a:t>
+              <a:t>4/30/2020</a:t>
             </a:fld>
             <a:endParaRPr lang="en-US" dirty="0"/>
           </a:p>
@@ -4014,7 +4104,7 @@
             <a:fld id="{B61BEF0D-F0BB-DE4B-95CE-6DB70DBA9567}" type="datetimeFigureOut">
               <a:rPr lang="en-US" smtClean="0"/>
               <a:pPr/>
-              <a:t>4/29/2020</a:t>
+              <a:t>4/30/2020</a:t>
             </a:fld>
             <a:endParaRPr lang="en-US" dirty="0"/>
           </a:p>
@@ -7502,7 +7592,7 @@
             <a:pPr lvl="1"/>
             <a:r>
               <a:rPr lang="en-US" sz="2400" i="0" dirty="0"/>
-              <a:t>Option 1 (Default): Included only full sentences until the next sentence will go over 100</a:t>
+              <a:t>Option 1 (Default): Include only full sentences until the next sentence will go over 100</a:t>
             </a:r>
           </a:p>
           <a:p>
@@ -8899,7 +8989,7 @@
             </a:r>
             <a:r>
               <a:rPr lang="en-US" sz="2400" i="0" dirty="0"/>
-              <a:t> new guinea's north coast, killing at least 70 people and crushing villages, </a:t>
+              <a:t> new guinea's north coast, killing at least 70 people and crushing villages,” </a:t>
             </a:r>
             <a:r>
               <a:rPr lang="en-US" sz="2400" b="1" i="0" dirty="0"/>

--- a/doc/D2_presentation.pptx
+++ b/doc/D2_presentation.pptx
@@ -4668,13 +4668,19 @@
         </p:nvSpPr>
         <p:spPr>
           <a:xfrm>
-            <a:off x="2679906" y="3956279"/>
+            <a:off x="2679906" y="3708630"/>
             <a:ext cx="7596451" cy="1086237"/>
           </a:xfrm>
         </p:spPr>
         <p:txBody>
           <a:bodyPr/>
           <a:lstStyle/>
+          <a:p>
+            <a:r>
+              <a:rPr lang="en-US" dirty="0"/>
+              <a:t>Group 5:</a:t>
+            </a:r>
+          </a:p>
           <a:p>
             <a:r>
               <a:rPr lang="en-US" dirty="0"/>
@@ -4750,7 +4756,7 @@
             </a:br>
             <a:r>
               <a:rPr lang="en-US" dirty="0"/>
-              <a:t>n-gram Heuristic</a:t>
+              <a:t>N-gram Heuristic</a:t>
             </a:r>
           </a:p>
         </p:txBody>
@@ -8814,13 +8820,13 @@
           <a:p>
             <a:r>
               <a:rPr lang="en-US" sz="2800" dirty="0"/>
+              <a:t>Results</a:t>
+            </a:r>
+          </a:p>
+          <a:p>
+            <a:r>
+              <a:rPr lang="en-US" sz="2800" dirty="0"/>
               <a:t>Issues and Successes </a:t>
-            </a:r>
-          </a:p>
-          <a:p>
-            <a:r>
-              <a:rPr lang="en-US" sz="2800" dirty="0"/>
-              <a:t>Results</a:t>
             </a:r>
           </a:p>
         </p:txBody>

--- a/doc/D2_presentation.pptx
+++ b/doc/D2_presentation.pptx
@@ -4843,7 +4843,7 @@
           <a:p>
             <a:r>
               <a:rPr lang="en-US" sz="2800" dirty="0"/>
-              <a:t>Each probably multiplied by lambda</a:t>
+              <a:t>Each probability multiplied by lambda</a:t>
             </a:r>
             <a:r>
               <a:rPr lang="en-US" sz="2800" baseline="-25000" dirty="0"/>
@@ -7598,7 +7598,7 @@
             <a:pPr lvl="1"/>
             <a:r>
               <a:rPr lang="en-US" sz="2400" i="0" dirty="0"/>
-              <a:t>Option 1 (Default): Include only full sentences until the next sentence will go over 100</a:t>
+              <a:t>Option 1 (Default): Include only full sentences until the next sentence will put the summary over 100 words</a:t>
             </a:r>
           </a:p>
           <a:p>
@@ -8325,7 +8325,7 @@
             </a:r>
             <a:r>
               <a:rPr lang="en-US" dirty="0"/>
-              <a:t>=. .7 </a:t>
+              <a:t>= .7 </a:t>
             </a:r>
             <a:r>
               <a:rPr lang="en-US" sz="2000" b="1" dirty="0"/>
@@ -8364,8 +8364,12 @@
               <a:t>4 </a:t>
             </a:r>
             <a:r>
+              <a:rPr lang="en-US"/>
+              <a:t>= .</a:t>
+            </a:r>
+            <a:r>
               <a:rPr lang="en-US" dirty="0"/>
-              <a:t>= ..05 </a:t>
+              <a:t>05 </a:t>
             </a:r>
           </a:p>
         </p:txBody>

--- a/doc/D2_presentation.pptx
+++ b/doc/D2_presentation.pptx
@@ -8661,17 +8661,13 @@
             <a:pPr lvl="1"/>
             <a:r>
               <a:rPr lang="en-US" sz="2400" i="0" dirty="0"/>
-              <a:t>Redundancy removal adds ~ .006 points to ROUGE-2 </a:t>
-            </a:r>
-          </a:p>
-          <a:p>
-            <a:r>
-              <a:rPr lang="en-US" sz="2800" dirty="0" err="1"/>
-              <a:t>Apositive</a:t>
-            </a:r>
+              <a:t>Redundancy removal adds ~ .006 points to ROUGE-2 R</a:t>
+            </a:r>
+          </a:p>
+          <a:p>
             <a:r>
               <a:rPr lang="en-US" sz="2800" dirty="0"/>
-              <a:t> removal inconclusive</a:t>
+              <a:t>Appositive removal inconclusive</a:t>
             </a:r>
           </a:p>
           <a:p>
@@ -9279,7 +9275,7 @@
             </a:r>
             <a:r>
               <a:rPr lang="en-US" sz="2400" i="0" dirty="0"/>
-              <a:t>, 2009 -- n-gram Heuristic</a:t>
+              <a:t>, 2009 -- N-gram Heuristic</a:t>
             </a:r>
           </a:p>
           <a:p>
@@ -9355,8 +9351,13 @@
             </a:r>
             <a:r>
               <a:rPr lang="en-US" sz="2400" i="0" dirty="0"/>
-              <a:t> et al., 2007 -- appositives</a:t>
-            </a:r>
+              <a:t> et al., 2007 </a:t>
+            </a:r>
+            <a:r>
+              <a:rPr lang="en-US" sz="2400" i="0"/>
+              <a:t>-- Appositives</a:t>
+            </a:r>
+            <a:endParaRPr lang="en-US" sz="2400" i="0" dirty="0"/>
           </a:p>
           <a:p>
             <a:pPr lvl="1"/>

--- a/doc/D2_presentation.pptx
+++ b/doc/D2_presentation.pptx
@@ -4869,7 +4869,7 @@
             </a:r>
             <a:r>
               <a:rPr lang="en-US" sz="2800" dirty="0" err="1"/>
-              <a:t>Vanderwede</a:t>
+              <a:t>Vanderwende</a:t>
             </a:r>
             <a:r>
               <a:rPr lang="en-US" sz="2800" dirty="0"/>
